--- a/presentation_powerpoint/meeting_1st/model_framework_security_working_group_presentation_1st_meeting.pptx
+++ b/presentation_powerpoint/meeting_1st/model_framework_security_working_group_presentation_1st_meeting.pptx
@@ -4494,7 +4494,7 @@
           </a:bodyPr>
           <a:p>
             <a:pPr algn="r"/>
-            <a:fld id="{68D09B54-97C5-4E01-A1E6-0CD77E57917F}" type="slidenum">
+            <a:fld id="{D67750E6-BBF4-4108-8396-A32B83424037}" type="slidenum">
               <a:rPr b="0" lang="en-US" sz="1400" spc="-1" strike="noStrike">
                 <a:solidFill>
                   <a:srgbClr val="770707"/>
@@ -4756,7 +4756,7 @@
             <a:noAutofit/>
           </a:bodyPr>
           <a:p>
-            <a:fld id="{868E0E2D-60A2-4AAB-8552-D88E784817A7}" type="author">
+            <a:fld id="{FEEEDCBB-D9C1-4F3E-9AD3-24B8230ABC9E}" type="author">
               <a:rPr b="0" lang="en-US" sz="1800" spc="-1" strike="noStrike">
                 <a:latin typeface="Arial"/>
               </a:rPr>
@@ -5119,7 +5119,7 @@
           </a:bodyPr>
           <a:p>
             <a:pPr algn="r"/>
-            <a:fld id="{E0BF218B-D4E2-4214-96BB-430A1E4E6C4B}" type="slidenum">
+            <a:fld id="{EB171CAA-D98D-4307-AA7F-9974AB9BD23C}" type="slidenum">
               <a:rPr b="0" lang="en-US" sz="1400" spc="-1" strike="noStrike">
                 <a:latin typeface="Arial"/>
               </a:rPr>
